--- a/Presentation.pptx
+++ b/Presentation.pptx
@@ -8,13 +8,15 @@
     <p:sldId id="256" r:id="rId2"/>
     <p:sldId id="257" r:id="rId3"/>
     <p:sldId id="258" r:id="rId4"/>
-    <p:sldId id="259" r:id="rId5"/>
-    <p:sldId id="260" r:id="rId6"/>
-    <p:sldId id="267" r:id="rId7"/>
-    <p:sldId id="261" r:id="rId8"/>
-    <p:sldId id="262" r:id="rId9"/>
-    <p:sldId id="263" r:id="rId10"/>
-    <p:sldId id="265" r:id="rId11"/>
+    <p:sldId id="260" r:id="rId5"/>
+    <p:sldId id="267" r:id="rId6"/>
+    <p:sldId id="261" r:id="rId7"/>
+    <p:sldId id="262" r:id="rId8"/>
+    <p:sldId id="263" r:id="rId9"/>
+    <p:sldId id="269" r:id="rId10"/>
+    <p:sldId id="268" r:id="rId11"/>
+    <p:sldId id="265" r:id="rId12"/>
+    <p:sldId id="270" r:id="rId13"/>
   </p:sldIdLst>
   <p:sldSz cx="18288000" cy="10287000"/>
   <p:notesSz cx="18288000" cy="10287000"/>
@@ -273,7 +275,7 @@
           <a:p>
             <a:fld id="{1D8BD707-D9CF-40AE-B4C6-C98DA3205C09}" type="datetimeFigureOut">
               <a:rPr lang="en-US"/>
-              <a:t>6/15/2025</a:t>
+              <a:t>6/16/2025</a:t>
             </a:fld>
             <a:endParaRPr lang="en-US"/>
           </a:p>
@@ -450,7 +452,7 @@
           <a:p>
             <a:fld id="{1D8BD707-D9CF-40AE-B4C6-C98DA3205C09}" type="datetimeFigureOut">
               <a:rPr lang="en-US"/>
-              <a:t>6/15/2025</a:t>
+              <a:t>6/16/2025</a:t>
             </a:fld>
             <a:endParaRPr lang="en-US"/>
           </a:p>
@@ -664,7 +666,7 @@
           <a:p>
             <a:fld id="{1D8BD707-D9CF-40AE-B4C6-C98DA3205C09}" type="datetimeFigureOut">
               <a:rPr lang="en-US"/>
-              <a:t>6/15/2025</a:t>
+              <a:t>6/16/2025</a:t>
             </a:fld>
             <a:endParaRPr lang="en-US"/>
           </a:p>
@@ -812,7 +814,7 @@
           <a:p>
             <a:fld id="{1D8BD707-D9CF-40AE-B4C6-C98DA3205C09}" type="datetimeFigureOut">
               <a:rPr lang="en-US"/>
-              <a:t>6/15/2025</a:t>
+              <a:t>6/16/2025</a:t>
             </a:fld>
             <a:endParaRPr lang="en-US"/>
           </a:p>
@@ -931,7 +933,7 @@
           <a:p>
             <a:fld id="{1D8BD707-D9CF-40AE-B4C6-C98DA3205C09}" type="datetimeFigureOut">
               <a:rPr lang="en-US"/>
-              <a:t>6/15/2025</a:t>
+              <a:t>6/16/2025</a:t>
             </a:fld>
             <a:endParaRPr lang="en-US"/>
           </a:p>
@@ -1206,7 +1208,7 @@
           <a:p>
             <a:fld id="{1D8BD707-D9CF-40AE-B4C6-C98DA3205C09}" type="datetimeFigureOut">
               <a:rPr lang="en-US"/>
-              <a:t>6/15/2025</a:t>
+              <a:t>6/16/2025</a:t>
             </a:fld>
             <a:endParaRPr lang="en-US"/>
           </a:p>
@@ -1754,6 +1756,465 @@
   <p:cSld>
     <p:spTree>
       <p:nvGrpSpPr>
+        <p:cNvPr id="1" name="">
+          <a:extLst>
+            <a:ext uri="{FF2B5EF4-FFF2-40B4-BE49-F238E27FC236}">
+              <a16:creationId xmlns:a16="http://schemas.microsoft.com/office/drawing/2014/main" id="{33E3E23E-C9A1-00AD-F982-81F4AFD52420}"/>
+            </a:ext>
+          </a:extLst>
+        </p:cNvPr>
+        <p:cNvGrpSpPr/>
+        <p:nvPr/>
+      </p:nvGrpSpPr>
+      <p:grpSpPr>
+        <a:xfrm>
+          <a:off x="0" y="0"/>
+          <a:ext cx="0" cy="0"/>
+          <a:chOff x="0" y="0"/>
+          <a:chExt cx="0" cy="0"/>
+        </a:xfrm>
+      </p:grpSpPr>
+      <p:grpSp>
+        <p:nvGrpSpPr>
+          <p:cNvPr id="2" name="object 2">
+            <a:extLst>
+              <a:ext uri="{FF2B5EF4-FFF2-40B4-BE49-F238E27FC236}">
+                <a16:creationId xmlns:a16="http://schemas.microsoft.com/office/drawing/2014/main" id="{D6760C90-09CE-1E51-7C02-DC2E0E0BE9A0}"/>
+              </a:ext>
+            </a:extLst>
+          </p:cNvPr>
+          <p:cNvGrpSpPr/>
+          <p:nvPr/>
+        </p:nvGrpSpPr>
+        <p:grpSpPr>
+          <a:xfrm>
+            <a:off x="-26158" y="-279828"/>
+            <a:ext cx="18314158" cy="10603790"/>
+            <a:chOff x="0" y="0"/>
+            <a:chExt cx="18314158" cy="10603790"/>
+          </a:xfrm>
+        </p:grpSpPr>
+        <p:pic>
+          <p:nvPicPr>
+            <p:cNvPr id="3" name="object 3">
+              <a:extLst>
+                <a:ext uri="{FF2B5EF4-FFF2-40B4-BE49-F238E27FC236}">
+                  <a16:creationId xmlns:a16="http://schemas.microsoft.com/office/drawing/2014/main" id="{17F2753D-9B04-E47E-5DE9-82E6E1D3F302}"/>
+                </a:ext>
+              </a:extLst>
+            </p:cNvPr>
+            <p:cNvPicPr/>
+            <p:nvPr/>
+          </p:nvPicPr>
+          <p:blipFill>
+            <a:blip r:embed="rId2" cstate="print"/>
+            <a:stretch>
+              <a:fillRect/>
+            </a:stretch>
+          </p:blipFill>
+          <p:spPr>
+            <a:xfrm>
+              <a:off x="4266163" y="316791"/>
+              <a:ext cx="14047995" cy="10286999"/>
+            </a:xfrm>
+            <a:prstGeom prst="rect">
+              <a:avLst/>
+            </a:prstGeom>
+          </p:spPr>
+        </p:pic>
+        <p:pic>
+          <p:nvPicPr>
+            <p:cNvPr id="4" name="object 4">
+              <a:extLst>
+                <a:ext uri="{FF2B5EF4-FFF2-40B4-BE49-F238E27FC236}">
+                  <a16:creationId xmlns:a16="http://schemas.microsoft.com/office/drawing/2014/main" id="{CA148473-7439-C056-F26B-98B47C98A689}"/>
+                </a:ext>
+              </a:extLst>
+            </p:cNvPr>
+            <p:cNvPicPr/>
+            <p:nvPr/>
+          </p:nvPicPr>
+          <p:blipFill>
+            <a:blip r:embed="rId3" cstate="print"/>
+            <a:stretch>
+              <a:fillRect/>
+            </a:stretch>
+          </p:blipFill>
+          <p:spPr>
+            <a:xfrm>
+              <a:off x="48904" y="237904"/>
+              <a:ext cx="7425348" cy="1338047"/>
+            </a:xfrm>
+            <a:prstGeom prst="rect">
+              <a:avLst/>
+            </a:prstGeom>
+          </p:spPr>
+        </p:pic>
+        <p:pic>
+          <p:nvPicPr>
+            <p:cNvPr id="5" name="object 5">
+              <a:extLst>
+                <a:ext uri="{FF2B5EF4-FFF2-40B4-BE49-F238E27FC236}">
+                  <a16:creationId xmlns:a16="http://schemas.microsoft.com/office/drawing/2014/main" id="{13CB4FC2-310A-5CAE-2E5A-D23BF69D52D5}"/>
+                </a:ext>
+              </a:extLst>
+            </p:cNvPr>
+            <p:cNvPicPr/>
+            <p:nvPr/>
+          </p:nvPicPr>
+          <p:blipFill>
+            <a:blip r:embed="rId4" cstate="print"/>
+            <a:stretch>
+              <a:fillRect/>
+            </a:stretch>
+          </p:blipFill>
+          <p:spPr>
+            <a:xfrm>
+              <a:off x="0" y="0"/>
+              <a:ext cx="4001445" cy="5290244"/>
+            </a:xfrm>
+            <a:prstGeom prst="rect">
+              <a:avLst/>
+            </a:prstGeom>
+          </p:spPr>
+        </p:pic>
+      </p:grpSp>
+      <p:sp>
+        <p:nvSpPr>
+          <p:cNvPr id="6" name="object 6">
+            <a:extLst>
+              <a:ext uri="{FF2B5EF4-FFF2-40B4-BE49-F238E27FC236}">
+                <a16:creationId xmlns:a16="http://schemas.microsoft.com/office/drawing/2014/main" id="{AB8403BD-A821-B3CC-6AB2-25656BB9231D}"/>
+              </a:ext>
+            </a:extLst>
+          </p:cNvPr>
+          <p:cNvSpPr txBox="1"/>
+          <p:nvPr/>
+        </p:nvSpPr>
+        <p:spPr>
+          <a:xfrm>
+            <a:off x="3885606" y="3732274"/>
+            <a:ext cx="1355725" cy="259495"/>
+          </a:xfrm>
+          <a:prstGeom prst="rect">
+            <a:avLst/>
+          </a:prstGeom>
+        </p:spPr>
+        <p:txBody>
+          <a:bodyPr vert="horz" wrap="square" lIns="0" tIns="0" rIns="0" bIns="0" rtlCol="0">
+            <a:spAutoFit/>
+          </a:bodyPr>
+          <a:lstStyle/>
+          <a:p>
+            <a:pPr algn="ctr">
+              <a:lnSpc>
+                <a:spcPts val="1995"/>
+              </a:lnSpc>
+            </a:pPr>
+            <a:endParaRPr sz="2300" dirty="0">
+              <a:latin typeface="Arial MT"/>
+              <a:cs typeface="Arial MT"/>
+            </a:endParaRPr>
+          </a:p>
+        </p:txBody>
+      </p:sp>
+      <p:sp>
+        <p:nvSpPr>
+          <p:cNvPr id="7" name="object 7">
+            <a:extLst>
+              <a:ext uri="{FF2B5EF4-FFF2-40B4-BE49-F238E27FC236}">
+                <a16:creationId xmlns:a16="http://schemas.microsoft.com/office/drawing/2014/main" id="{EB3669F1-20E6-0CE8-EC22-C5236B76C9D3}"/>
+              </a:ext>
+            </a:extLst>
+          </p:cNvPr>
+          <p:cNvSpPr txBox="1"/>
+          <p:nvPr/>
+        </p:nvSpPr>
+        <p:spPr>
+          <a:xfrm>
+            <a:off x="6755148" y="3741751"/>
+            <a:ext cx="1891030" cy="240259"/>
+          </a:xfrm>
+          <a:prstGeom prst="rect">
+            <a:avLst/>
+          </a:prstGeom>
+        </p:spPr>
+        <p:txBody>
+          <a:bodyPr vert="horz" wrap="square" lIns="0" tIns="0" rIns="0" bIns="0" rtlCol="0">
+            <a:spAutoFit/>
+          </a:bodyPr>
+          <a:lstStyle/>
+          <a:p>
+            <a:pPr algn="ctr">
+              <a:lnSpc>
+                <a:spcPts val="1805"/>
+              </a:lnSpc>
+            </a:pPr>
+            <a:endParaRPr sz="2300" dirty="0">
+              <a:latin typeface="Arial MT"/>
+              <a:cs typeface="Arial MT"/>
+            </a:endParaRPr>
+          </a:p>
+        </p:txBody>
+      </p:sp>
+      <p:sp>
+        <p:nvSpPr>
+          <p:cNvPr id="8" name="object 8">
+            <a:extLst>
+              <a:ext uri="{FF2B5EF4-FFF2-40B4-BE49-F238E27FC236}">
+                <a16:creationId xmlns:a16="http://schemas.microsoft.com/office/drawing/2014/main" id="{B539121C-710F-15B4-79CB-9662024F3F1A}"/>
+              </a:ext>
+            </a:extLst>
+          </p:cNvPr>
+          <p:cNvSpPr txBox="1"/>
+          <p:nvPr/>
+        </p:nvSpPr>
+        <p:spPr>
+          <a:xfrm>
+            <a:off x="10119397" y="3741751"/>
+            <a:ext cx="1436370" cy="240259"/>
+          </a:xfrm>
+          <a:prstGeom prst="rect">
+            <a:avLst/>
+          </a:prstGeom>
+        </p:spPr>
+        <p:txBody>
+          <a:bodyPr vert="horz" wrap="square" lIns="0" tIns="0" rIns="0" bIns="0" rtlCol="0">
+            <a:spAutoFit/>
+          </a:bodyPr>
+          <a:lstStyle/>
+          <a:p>
+            <a:pPr algn="ctr">
+              <a:lnSpc>
+                <a:spcPts val="1805"/>
+              </a:lnSpc>
+            </a:pPr>
+            <a:endParaRPr sz="2300" dirty="0">
+              <a:latin typeface="Arial MT"/>
+              <a:cs typeface="Arial MT"/>
+            </a:endParaRPr>
+          </a:p>
+        </p:txBody>
+      </p:sp>
+      <p:sp>
+        <p:nvSpPr>
+          <p:cNvPr id="13" name="object 13">
+            <a:extLst>
+              <a:ext uri="{FF2B5EF4-FFF2-40B4-BE49-F238E27FC236}">
+                <a16:creationId xmlns:a16="http://schemas.microsoft.com/office/drawing/2014/main" id="{FF04FFAF-F092-FE6C-701B-F8D88EFFB79C}"/>
+              </a:ext>
+            </a:extLst>
+          </p:cNvPr>
+          <p:cNvSpPr txBox="1">
+            <a:spLocks noGrp="1"/>
+          </p:cNvSpPr>
+          <p:nvPr>
+            <p:ph type="title"/>
+          </p:nvPr>
+        </p:nvSpPr>
+        <p:spPr>
+          <a:xfrm>
+            <a:off x="990600" y="839414"/>
+            <a:ext cx="16899412" cy="1213794"/>
+          </a:xfrm>
+          <a:prstGeom prst="rect">
+            <a:avLst/>
+          </a:prstGeom>
+        </p:spPr>
+        <p:txBody>
+          <a:bodyPr vert="horz" wrap="square" lIns="0" tIns="13335" rIns="0" bIns="0" rtlCol="0">
+            <a:spAutoFit/>
+          </a:bodyPr>
+          <a:lstStyle/>
+          <a:p>
+            <a:pPr marL="12700">
+              <a:lnSpc>
+                <a:spcPct val="100000"/>
+              </a:lnSpc>
+              <a:spcBef>
+                <a:spcPts val="105"/>
+              </a:spcBef>
+            </a:pPr>
+            <a:r>
+              <a:rPr lang="en-IN" sz="3900" dirty="0">
+                <a:latin typeface="Times New Roman" panose="02020603050405020304" pitchFamily="18" charset="0"/>
+                <a:cs typeface="Times New Roman" panose="02020603050405020304" pitchFamily="18" charset="0"/>
+              </a:rPr>
+              <a:t>Web hosting Demonstration </a:t>
+            </a:r>
+            <a:br>
+              <a:rPr lang="en-IN" sz="3900" dirty="0">
+                <a:latin typeface="Times New Roman" panose="02020603050405020304" pitchFamily="18" charset="0"/>
+                <a:cs typeface="Times New Roman" panose="02020603050405020304" pitchFamily="18" charset="0"/>
+              </a:rPr>
+            </a:br>
+            <a:r>
+              <a:rPr lang="en-IN" sz="3900" dirty="0">
+                <a:latin typeface="Times New Roman" panose="02020603050405020304" pitchFamily="18" charset="0"/>
+                <a:cs typeface="Times New Roman" panose="02020603050405020304" pitchFamily="18" charset="0"/>
+              </a:rPr>
+              <a:t>-----------------------------------------------------------------------------------------------------</a:t>
+            </a:r>
+            <a:endParaRPr sz="3900" dirty="0">
+              <a:latin typeface="Times New Roman" panose="02020603050405020304" pitchFamily="18" charset="0"/>
+              <a:cs typeface="Times New Roman" panose="02020603050405020304" pitchFamily="18" charset="0"/>
+            </a:endParaRPr>
+          </a:p>
+        </p:txBody>
+      </p:sp>
+      <p:pic>
+        <p:nvPicPr>
+          <p:cNvPr id="10" name="Picture 9" descr="A computer screen shot of a computer&#10;&#10;AI-generated content may be incorrect.">
+            <a:extLst>
+              <a:ext uri="{FF2B5EF4-FFF2-40B4-BE49-F238E27FC236}">
+                <a16:creationId xmlns:a16="http://schemas.microsoft.com/office/drawing/2014/main" id="{08CA7314-2EBD-4B10-2A9A-9151551CE6CB}"/>
+              </a:ext>
+            </a:extLst>
+          </p:cNvPr>
+          <p:cNvPicPr>
+            <a:picLocks noChangeAspect="1"/>
+          </p:cNvPicPr>
+          <p:nvPr/>
+        </p:nvPicPr>
+        <p:blipFill>
+          <a:blip r:embed="rId5">
+            <a:extLst>
+              <a:ext uri="{28A0092B-C50C-407E-A947-70E740481C1C}">
+                <a14:useLocalDpi xmlns:a14="http://schemas.microsoft.com/office/drawing/2010/main" val="0"/>
+              </a:ext>
+            </a:extLst>
+          </a:blip>
+          <a:stretch>
+            <a:fillRect/>
+          </a:stretch>
+        </p:blipFill>
+        <p:spPr>
+          <a:xfrm>
+            <a:off x="9007475" y="2896446"/>
+            <a:ext cx="8277225" cy="5895975"/>
+          </a:xfrm>
+          <a:prstGeom prst="rect">
+            <a:avLst/>
+          </a:prstGeom>
+        </p:spPr>
+      </p:pic>
+      <p:sp>
+        <p:nvSpPr>
+          <p:cNvPr id="18" name="TextBox 17">
+            <a:extLst>
+              <a:ext uri="{FF2B5EF4-FFF2-40B4-BE49-F238E27FC236}">
+                <a16:creationId xmlns:a16="http://schemas.microsoft.com/office/drawing/2014/main" id="{29CD3C6F-A1F1-DAEE-495F-98E76B729503}"/>
+              </a:ext>
+            </a:extLst>
+          </p:cNvPr>
+          <p:cNvSpPr txBox="1"/>
+          <p:nvPr/>
+        </p:nvSpPr>
+        <p:spPr>
+          <a:xfrm>
+            <a:off x="196178" y="3243597"/>
+            <a:ext cx="8811297" cy="4401205"/>
+          </a:xfrm>
+          <a:prstGeom prst="rect">
+            <a:avLst/>
+          </a:prstGeom>
+          <a:noFill/>
+        </p:spPr>
+        <p:txBody>
+          <a:bodyPr wrap="square">
+            <a:spAutoFit/>
+          </a:bodyPr>
+          <a:lstStyle/>
+          <a:p>
+            <a:pPr marL="285750" indent="-285750" algn="just">
+              <a:buFont typeface="Arial" panose="020B0604020202020204" pitchFamily="34" charset="0"/>
+              <a:buChar char="•"/>
+            </a:pPr>
+            <a:r>
+              <a:rPr lang="en-US" sz="2800" dirty="0">
+                <a:latin typeface="Times New Roman" panose="02020603050405020304" pitchFamily="18" charset="0"/>
+                <a:cs typeface="Times New Roman" panose="02020603050405020304" pitchFamily="18" charset="0"/>
+              </a:rPr>
+              <a:t>Enable HTTP on Server: Turn on the HTTP service in the server under the Services </a:t>
+            </a:r>
+            <a:r>
+              <a:rPr lang="en-US" sz="2800" dirty="0" err="1">
+                <a:latin typeface="Times New Roman" panose="02020603050405020304" pitchFamily="18" charset="0"/>
+                <a:cs typeface="Times New Roman" panose="02020603050405020304" pitchFamily="18" charset="0"/>
+              </a:rPr>
+              <a:t>tab.Upload</a:t>
+            </a:r>
+            <a:r>
+              <a:rPr lang="en-US" sz="2800" dirty="0">
+                <a:latin typeface="Times New Roman" panose="02020603050405020304" pitchFamily="18" charset="0"/>
+                <a:cs typeface="Times New Roman" panose="02020603050405020304" pitchFamily="18" charset="0"/>
+              </a:rPr>
+              <a:t> Web Pages: Add or edit files like index.html and images using the Web Page or File Manager section.</a:t>
+            </a:r>
+          </a:p>
+          <a:p>
+            <a:pPr marL="285750" indent="-285750" algn="just">
+              <a:buFont typeface="Arial" panose="020B0604020202020204" pitchFamily="34" charset="0"/>
+              <a:buChar char="•"/>
+            </a:pPr>
+            <a:r>
+              <a:rPr lang="en-US" sz="2800" dirty="0">
+                <a:latin typeface="Times New Roman" panose="02020603050405020304" pitchFamily="18" charset="0"/>
+                <a:cs typeface="Times New Roman" panose="02020603050405020304" pitchFamily="18" charset="0"/>
+              </a:rPr>
+              <a:t>Assign IP Address: Give the server a static IP (e.g., 1.0.0.4) for clients to access the hosted site.</a:t>
+            </a:r>
+          </a:p>
+          <a:p>
+            <a:pPr marL="285750" indent="-285750" algn="just">
+              <a:buFont typeface="Arial" panose="020B0604020202020204" pitchFamily="34" charset="0"/>
+              <a:buChar char="•"/>
+            </a:pPr>
+            <a:r>
+              <a:rPr lang="en-US" sz="2800" dirty="0">
+                <a:latin typeface="Times New Roman" panose="02020603050405020304" pitchFamily="18" charset="0"/>
+                <a:cs typeface="Times New Roman" panose="02020603050405020304" pitchFamily="18" charset="0"/>
+              </a:rPr>
+              <a:t>Client Access: Open the browser in a PC and enter the server’s IP to view the website.</a:t>
+            </a:r>
+          </a:p>
+          <a:p>
+            <a:pPr marL="285750" indent="-285750" algn="just">
+              <a:buFont typeface="Arial" panose="020B0604020202020204" pitchFamily="34" charset="0"/>
+              <a:buChar char="•"/>
+            </a:pPr>
+            <a:r>
+              <a:rPr lang="en-US" sz="2800" dirty="0">
+                <a:latin typeface="Times New Roman" panose="02020603050405020304" pitchFamily="18" charset="0"/>
+                <a:cs typeface="Times New Roman" panose="02020603050405020304" pitchFamily="18" charset="0"/>
+              </a:rPr>
+              <a:t>Testing Web Navigation: Simulates basic website hosting and browsing within a local network.</a:t>
+            </a:r>
+            <a:endParaRPr lang="en-IN" sz="2800" dirty="0">
+              <a:latin typeface="Times New Roman" panose="02020603050405020304" pitchFamily="18" charset="0"/>
+              <a:cs typeface="Times New Roman" panose="02020603050405020304" pitchFamily="18" charset="0"/>
+            </a:endParaRPr>
+          </a:p>
+        </p:txBody>
+      </p:sp>
+    </p:spTree>
+    <p:extLst>
+      <p:ext uri="{BB962C8B-B14F-4D97-AF65-F5344CB8AC3E}">
+        <p14:creationId xmlns:p14="http://schemas.microsoft.com/office/powerpoint/2010/main" val="1954667304"/>
+      </p:ext>
+    </p:extLst>
+  </p:cSld>
+  <p:clrMapOvr>
+    <a:masterClrMapping/>
+  </p:clrMapOvr>
+</p:sld>
+</file>
+
+<file path=ppt/slides/slide11.xml><?xml version="1.0" encoding="utf-8"?>
+<p:sld xmlns:a="http://schemas.openxmlformats.org/drawingml/2006/main" xmlns:r="http://schemas.openxmlformats.org/officeDocument/2006/relationships" xmlns:p="http://schemas.openxmlformats.org/presentationml/2006/main">
+  <p:cSld>
+    <p:spTree>
+      <p:nvGrpSpPr>
         <p:cNvPr id="1" name=""/>
         <p:cNvGrpSpPr/>
         <p:nvPr/>
@@ -1881,11 +2342,11 @@
               </a:spcBef>
             </a:pPr>
             <a:r>
-              <a:rPr sz="3900" spc="-10" dirty="0">
-                <a:latin typeface="Times New Roman" panose="02020603050405020304" pitchFamily="18" charset="0"/>
-                <a:cs typeface="Times New Roman" panose="02020603050405020304" pitchFamily="18" charset="0"/>
-              </a:rPr>
-              <a:t>Results</a:t>
+              <a:rPr lang="en-IN" sz="3900" spc="-10" dirty="0">
+                <a:latin typeface="Times New Roman" panose="02020603050405020304" pitchFamily="18" charset="0"/>
+                <a:cs typeface="Times New Roman" panose="02020603050405020304" pitchFamily="18" charset="0"/>
+              </a:rPr>
+              <a:t>Future works</a:t>
             </a:r>
             <a:br>
               <a:rPr lang="en-IN" sz="3900" spc="-10" dirty="0">
@@ -1913,6 +2374,486 @@
             <a:extLst>
               <a:ext uri="{FF2B5EF4-FFF2-40B4-BE49-F238E27FC236}">
                 <a16:creationId xmlns:a16="http://schemas.microsoft.com/office/drawing/2014/main" id="{62B0FC93-37DC-937A-00DF-03B5958FDED9}"/>
+              </a:ext>
+            </a:extLst>
+          </p:cNvPr>
+          <p:cNvSpPr>
+            <a:spLocks noChangeArrowheads="1"/>
+          </p:cNvSpPr>
+          <p:nvPr/>
+        </p:nvSpPr>
+        <p:spPr bwMode="auto">
+          <a:xfrm>
+            <a:off x="1136503" y="3127563"/>
+            <a:ext cx="16703645" cy="4031873"/>
+          </a:xfrm>
+          <a:prstGeom prst="rect">
+            <a:avLst/>
+          </a:prstGeom>
+          <a:noFill/>
+          <a:ln>
+            <a:noFill/>
+          </a:ln>
+          <a:effectLst/>
+          <a:extLst>
+            <a:ext uri="{909E8E84-426E-40DD-AFC4-6F175D3DCCD1}">
+              <a14:hiddenFill xmlns:a14="http://schemas.microsoft.com/office/drawing/2010/main">
+                <a:solidFill>
+                  <a:schemeClr val="accent1"/>
+                </a:solidFill>
+              </a14:hiddenFill>
+            </a:ext>
+            <a:ext uri="{91240B29-F687-4F45-9708-019B960494DF}">
+              <a14:hiddenLine xmlns:a14="http://schemas.microsoft.com/office/drawing/2010/main" w="9525">
+                <a:solidFill>
+                  <a:schemeClr val="tx1"/>
+                </a:solidFill>
+                <a:miter lim="800000"/>
+                <a:headEnd/>
+                <a:tailEnd/>
+              </a14:hiddenLine>
+            </a:ext>
+            <a:ext uri="{AF507438-7753-43E0-B8FC-AC1667EBCBE1}">
+              <a14:hiddenEffects xmlns:a14="http://schemas.microsoft.com/office/drawing/2010/main">
+                <a:effectLst>
+                  <a:outerShdw dist="35921" dir="2700000" algn="ctr" rotWithShape="0">
+                    <a:schemeClr val="bg2"/>
+                  </a:outerShdw>
+                </a:effectLst>
+              </a14:hiddenEffects>
+            </a:ext>
+          </a:extLst>
+        </p:spPr>
+        <p:txBody>
+          <a:bodyPr vert="horz" wrap="square" lIns="91440" tIns="45720" rIns="91440" bIns="45720" numCol="1" anchor="ctr" anchorCtr="0" compatLnSpc="1">
+            <a:prstTxWarp prst="textNoShape">
+              <a:avLst/>
+            </a:prstTxWarp>
+            <a:spAutoFit/>
+          </a:bodyPr>
+          <a:lstStyle/>
+          <a:p>
+            <a:pPr marL="0" marR="0" lvl="0" indent="0" algn="l" defTabSz="914400" rtl="0" eaLnBrk="0" fontAlgn="base" latinLnBrk="0" hangingPunct="0">
+              <a:lnSpc>
+                <a:spcPct val="100000"/>
+              </a:lnSpc>
+              <a:spcBef>
+                <a:spcPct val="0"/>
+              </a:spcBef>
+              <a:spcAft>
+                <a:spcPct val="0"/>
+              </a:spcAft>
+              <a:buClrTx/>
+              <a:buSzTx/>
+              <a:buFontTx/>
+              <a:buChar char="•"/>
+              <a:tabLst/>
+            </a:pPr>
+            <a:r>
+              <a:rPr kumimoji="0" lang="en-US" altLang="en-US" sz="3200" b="0" i="0" u="none" strike="noStrike" cap="none" normalizeH="0" baseline="0" dirty="0">
+                <a:ln>
+                  <a:noFill/>
+                </a:ln>
+                <a:solidFill>
+                  <a:schemeClr val="tx1"/>
+                </a:solidFill>
+                <a:effectLst/>
+                <a:latin typeface="Times New Roman" panose="02020603050405020304" pitchFamily="18" charset="0"/>
+                <a:cs typeface="Times New Roman" panose="02020603050405020304" pitchFamily="18" charset="0"/>
+              </a:rPr>
+              <a:t>Integration of QoS (Quality of Service):Prioritize network traffic like VoIP, video streaming, or online classes to ensure better performance during high load.</a:t>
+            </a:r>
+          </a:p>
+          <a:p>
+            <a:pPr marL="0" marR="0" lvl="0" indent="0" algn="l" defTabSz="914400" rtl="0" eaLnBrk="0" fontAlgn="base" latinLnBrk="0" hangingPunct="0">
+              <a:lnSpc>
+                <a:spcPct val="100000"/>
+              </a:lnSpc>
+              <a:spcBef>
+                <a:spcPct val="0"/>
+              </a:spcBef>
+              <a:spcAft>
+                <a:spcPct val="0"/>
+              </a:spcAft>
+              <a:buClrTx/>
+              <a:buSzTx/>
+              <a:buFontTx/>
+              <a:buChar char="•"/>
+              <a:tabLst/>
+            </a:pPr>
+            <a:r>
+              <a:rPr kumimoji="0" lang="en-US" altLang="en-US" sz="3200" b="0" i="0" u="none" strike="noStrike" cap="none" normalizeH="0" baseline="0" dirty="0">
+                <a:ln>
+                  <a:noFill/>
+                </a:ln>
+                <a:solidFill>
+                  <a:schemeClr val="tx1"/>
+                </a:solidFill>
+                <a:effectLst/>
+                <a:latin typeface="Times New Roman" panose="02020603050405020304" pitchFamily="18" charset="0"/>
+                <a:cs typeface="Times New Roman" panose="02020603050405020304" pitchFamily="18" charset="0"/>
+              </a:rPr>
+              <a:t>Network Security </a:t>
+            </a:r>
+            <a:r>
+              <a:rPr kumimoji="0" lang="en-US" altLang="en-US" sz="3200" b="0" i="0" u="none" strike="noStrike" cap="none" normalizeH="0" baseline="0" dirty="0" err="1">
+                <a:ln>
+                  <a:noFill/>
+                </a:ln>
+                <a:solidFill>
+                  <a:schemeClr val="tx1"/>
+                </a:solidFill>
+                <a:effectLst/>
+                <a:latin typeface="Times New Roman" panose="02020603050405020304" pitchFamily="18" charset="0"/>
+                <a:cs typeface="Times New Roman" panose="02020603050405020304" pitchFamily="18" charset="0"/>
+              </a:rPr>
+              <a:t>Enhancements:Add</a:t>
+            </a:r>
+            <a:r>
+              <a:rPr kumimoji="0" lang="en-US" altLang="en-US" sz="3200" b="0" i="0" u="none" strike="noStrike" cap="none" normalizeH="0" baseline="0" dirty="0">
+                <a:ln>
+                  <a:noFill/>
+                </a:ln>
+                <a:solidFill>
+                  <a:schemeClr val="tx1"/>
+                </a:solidFill>
+                <a:effectLst/>
+                <a:latin typeface="Times New Roman" panose="02020603050405020304" pitchFamily="18" charset="0"/>
+                <a:cs typeface="Times New Roman" panose="02020603050405020304" pitchFamily="18" charset="0"/>
+              </a:rPr>
+              <a:t> firewalls, VLAN-based access control, and intrusion detection systems (IDS) to simulate a more secure campus network.</a:t>
+            </a:r>
+          </a:p>
+          <a:p>
+            <a:pPr marL="0" marR="0" lvl="0" indent="0" algn="l" defTabSz="914400" rtl="0" eaLnBrk="0" fontAlgn="base" latinLnBrk="0" hangingPunct="0">
+              <a:lnSpc>
+                <a:spcPct val="100000"/>
+              </a:lnSpc>
+              <a:spcBef>
+                <a:spcPct val="0"/>
+              </a:spcBef>
+              <a:spcAft>
+                <a:spcPct val="0"/>
+              </a:spcAft>
+              <a:buClrTx/>
+              <a:buSzTx/>
+              <a:buFontTx/>
+              <a:buChar char="•"/>
+              <a:tabLst/>
+            </a:pPr>
+            <a:r>
+              <a:rPr kumimoji="0" lang="en-US" altLang="en-US" sz="3200" b="0" i="0" u="none" strike="noStrike" cap="none" normalizeH="0" baseline="0" dirty="0">
+                <a:ln>
+                  <a:noFill/>
+                </a:ln>
+                <a:solidFill>
+                  <a:schemeClr val="tx1"/>
+                </a:solidFill>
+                <a:effectLst/>
+                <a:latin typeface="Times New Roman" panose="02020603050405020304" pitchFamily="18" charset="0"/>
+                <a:cs typeface="Times New Roman" panose="02020603050405020304" pitchFamily="18" charset="0"/>
+              </a:rPr>
+              <a:t>IoT Device </a:t>
+            </a:r>
+            <a:r>
+              <a:rPr kumimoji="0" lang="en-US" altLang="en-US" sz="3200" b="0" i="0" u="none" strike="noStrike" cap="none" normalizeH="0" baseline="0" dirty="0" err="1">
+                <a:ln>
+                  <a:noFill/>
+                </a:ln>
+                <a:solidFill>
+                  <a:schemeClr val="tx1"/>
+                </a:solidFill>
+                <a:effectLst/>
+                <a:latin typeface="Times New Roman" panose="02020603050405020304" pitchFamily="18" charset="0"/>
+                <a:cs typeface="Times New Roman" panose="02020603050405020304" pitchFamily="18" charset="0"/>
+              </a:rPr>
+              <a:t>Integration:Simulate</a:t>
+            </a:r>
+            <a:r>
+              <a:rPr kumimoji="0" lang="en-US" altLang="en-US" sz="3200" b="0" i="0" u="none" strike="noStrike" cap="none" normalizeH="0" baseline="0" dirty="0">
+                <a:ln>
+                  <a:noFill/>
+                </a:ln>
+                <a:solidFill>
+                  <a:schemeClr val="tx1"/>
+                </a:solidFill>
+                <a:effectLst/>
+                <a:latin typeface="Times New Roman" panose="02020603050405020304" pitchFamily="18" charset="0"/>
+                <a:cs typeface="Times New Roman" panose="02020603050405020304" pitchFamily="18" charset="0"/>
+              </a:rPr>
+              <a:t> smart classrooms or labs using IoT devices for automation, and connect them securely within the network..</a:t>
+            </a:r>
+          </a:p>
+          <a:p>
+            <a:pPr marL="0" marR="0" lvl="0" indent="0" algn="l" defTabSz="914400" rtl="0" eaLnBrk="0" fontAlgn="base" latinLnBrk="0" hangingPunct="0">
+              <a:lnSpc>
+                <a:spcPct val="100000"/>
+              </a:lnSpc>
+              <a:spcBef>
+                <a:spcPct val="0"/>
+              </a:spcBef>
+              <a:spcAft>
+                <a:spcPct val="0"/>
+              </a:spcAft>
+              <a:buClrTx/>
+              <a:buSzTx/>
+              <a:buFontTx/>
+              <a:buChar char="•"/>
+              <a:tabLst/>
+            </a:pPr>
+            <a:r>
+              <a:rPr kumimoji="0" lang="en-US" altLang="en-US" sz="3200" b="0" i="0" u="none" strike="noStrike" cap="none" normalizeH="0" baseline="0" dirty="0">
+                <a:ln>
+                  <a:noFill/>
+                </a:ln>
+                <a:solidFill>
+                  <a:schemeClr val="tx1"/>
+                </a:solidFill>
+                <a:effectLst/>
+                <a:latin typeface="Times New Roman" panose="02020603050405020304" pitchFamily="18" charset="0"/>
+                <a:cs typeface="Times New Roman" panose="02020603050405020304" pitchFamily="18" charset="0"/>
+              </a:rPr>
+              <a:t>Cloud-Based Resource </a:t>
+            </a:r>
+            <a:r>
+              <a:rPr kumimoji="0" lang="en-US" altLang="en-US" sz="3200" b="0" i="0" u="none" strike="noStrike" cap="none" normalizeH="0" baseline="0" dirty="0" err="1">
+                <a:ln>
+                  <a:noFill/>
+                </a:ln>
+                <a:solidFill>
+                  <a:schemeClr val="tx1"/>
+                </a:solidFill>
+                <a:effectLst/>
+                <a:latin typeface="Times New Roman" panose="02020603050405020304" pitchFamily="18" charset="0"/>
+                <a:cs typeface="Times New Roman" panose="02020603050405020304" pitchFamily="18" charset="0"/>
+              </a:rPr>
+              <a:t>Simulation:Extend</a:t>
+            </a:r>
+            <a:r>
+              <a:rPr kumimoji="0" lang="en-US" altLang="en-US" sz="3200" b="0" i="0" u="none" strike="noStrike" cap="none" normalizeH="0" baseline="0" dirty="0">
+                <a:ln>
+                  <a:noFill/>
+                </a:ln>
+                <a:solidFill>
+                  <a:schemeClr val="tx1"/>
+                </a:solidFill>
+                <a:effectLst/>
+                <a:latin typeface="Times New Roman" panose="02020603050405020304" pitchFamily="18" charset="0"/>
+                <a:cs typeface="Times New Roman" panose="02020603050405020304" pitchFamily="18" charset="0"/>
+              </a:rPr>
+              <a:t> the project to include cloud storage access or cloud-hosted applications used by departments or students.</a:t>
+            </a:r>
+          </a:p>
+        </p:txBody>
+      </p:sp>
+    </p:spTree>
+  </p:cSld>
+  <p:clrMapOvr>
+    <a:masterClrMapping/>
+  </p:clrMapOvr>
+</p:sld>
+</file>
+
+<file path=ppt/slides/slide12.xml><?xml version="1.0" encoding="utf-8"?>
+<p:sld xmlns:a="http://schemas.openxmlformats.org/drawingml/2006/main" xmlns:r="http://schemas.openxmlformats.org/officeDocument/2006/relationships" xmlns:p="http://schemas.openxmlformats.org/presentationml/2006/main">
+  <p:cSld>
+    <p:spTree>
+      <p:nvGrpSpPr>
+        <p:cNvPr id="1" name="">
+          <a:extLst>
+            <a:ext uri="{FF2B5EF4-FFF2-40B4-BE49-F238E27FC236}">
+              <a16:creationId xmlns:a16="http://schemas.microsoft.com/office/drawing/2014/main" id="{74FADE0F-3C94-8524-A221-A6AE7C51609F}"/>
+            </a:ext>
+          </a:extLst>
+        </p:cNvPr>
+        <p:cNvGrpSpPr/>
+        <p:nvPr/>
+      </p:nvGrpSpPr>
+      <p:grpSpPr>
+        <a:xfrm>
+          <a:off x="0" y="0"/>
+          <a:ext cx="0" cy="0"/>
+          <a:chOff x="0" y="0"/>
+          <a:chExt cx="0" cy="0"/>
+        </a:xfrm>
+      </p:grpSpPr>
+      <p:grpSp>
+        <p:nvGrpSpPr>
+          <p:cNvPr id="2" name="object 2">
+            <a:extLst>
+              <a:ext uri="{FF2B5EF4-FFF2-40B4-BE49-F238E27FC236}">
+                <a16:creationId xmlns:a16="http://schemas.microsoft.com/office/drawing/2014/main" id="{DA962EA0-F86A-A50E-0AEE-1320F9E614F2}"/>
+              </a:ext>
+            </a:extLst>
+          </p:cNvPr>
+          <p:cNvGrpSpPr/>
+          <p:nvPr/>
+        </p:nvGrpSpPr>
+        <p:grpSpPr>
+          <a:xfrm>
+            <a:off x="0" y="-114300"/>
+            <a:ext cx="17802225" cy="10287000"/>
+            <a:chOff x="0" y="0"/>
+            <a:chExt cx="17802225" cy="10287000"/>
+          </a:xfrm>
+        </p:grpSpPr>
+        <p:pic>
+          <p:nvPicPr>
+            <p:cNvPr id="3" name="object 3">
+              <a:extLst>
+                <a:ext uri="{FF2B5EF4-FFF2-40B4-BE49-F238E27FC236}">
+                  <a16:creationId xmlns:a16="http://schemas.microsoft.com/office/drawing/2014/main" id="{183F8B89-0ECB-1345-3A78-FEEC6B8F37C8}"/>
+                </a:ext>
+              </a:extLst>
+            </p:cNvPr>
+            <p:cNvPicPr/>
+            <p:nvPr/>
+          </p:nvPicPr>
+          <p:blipFill>
+            <a:blip r:embed="rId2" cstate="print"/>
+            <a:stretch>
+              <a:fillRect/>
+            </a:stretch>
+          </p:blipFill>
+          <p:spPr>
+            <a:xfrm>
+              <a:off x="2066749" y="0"/>
+              <a:ext cx="15735299" cy="10286999"/>
+            </a:xfrm>
+            <a:prstGeom prst="rect">
+              <a:avLst/>
+            </a:prstGeom>
+          </p:spPr>
+        </p:pic>
+        <p:pic>
+          <p:nvPicPr>
+            <p:cNvPr id="4" name="object 4">
+              <a:extLst>
+                <a:ext uri="{FF2B5EF4-FFF2-40B4-BE49-F238E27FC236}">
+                  <a16:creationId xmlns:a16="http://schemas.microsoft.com/office/drawing/2014/main" id="{E1640EDB-B81B-ECB0-EF09-27616CC5C9B7}"/>
+                </a:ext>
+              </a:extLst>
+            </p:cNvPr>
+            <p:cNvPicPr/>
+            <p:nvPr/>
+          </p:nvPicPr>
+          <p:blipFill>
+            <a:blip r:embed="rId3" cstate="print"/>
+            <a:stretch>
+              <a:fillRect/>
+            </a:stretch>
+          </p:blipFill>
+          <p:spPr>
+            <a:xfrm>
+              <a:off x="0" y="0"/>
+              <a:ext cx="7425348" cy="1338047"/>
+            </a:xfrm>
+            <a:prstGeom prst="rect">
+              <a:avLst/>
+            </a:prstGeom>
+          </p:spPr>
+        </p:pic>
+        <p:pic>
+          <p:nvPicPr>
+            <p:cNvPr id="5" name="object 5">
+              <a:extLst>
+                <a:ext uri="{FF2B5EF4-FFF2-40B4-BE49-F238E27FC236}">
+                  <a16:creationId xmlns:a16="http://schemas.microsoft.com/office/drawing/2014/main" id="{179DF904-3DEF-5483-2EB0-FB544C532B73}"/>
+                </a:ext>
+              </a:extLst>
+            </p:cNvPr>
+            <p:cNvPicPr/>
+            <p:nvPr/>
+          </p:nvPicPr>
+          <p:blipFill>
+            <a:blip r:embed="rId4" cstate="print"/>
+            <a:stretch>
+              <a:fillRect/>
+            </a:stretch>
+          </p:blipFill>
+          <p:spPr>
+            <a:xfrm>
+              <a:off x="0" y="0"/>
+              <a:ext cx="4001445" cy="5290244"/>
+            </a:xfrm>
+            <a:prstGeom prst="rect">
+              <a:avLst/>
+            </a:prstGeom>
+          </p:spPr>
+        </p:pic>
+      </p:grpSp>
+      <p:sp>
+        <p:nvSpPr>
+          <p:cNvPr id="6" name="object 6">
+            <a:extLst>
+              <a:ext uri="{FF2B5EF4-FFF2-40B4-BE49-F238E27FC236}">
+                <a16:creationId xmlns:a16="http://schemas.microsoft.com/office/drawing/2014/main" id="{E9B33627-1CDD-B61A-12FB-3158C18BA63F}"/>
+              </a:ext>
+            </a:extLst>
+          </p:cNvPr>
+          <p:cNvSpPr txBox="1">
+            <a:spLocks noGrp="1"/>
+          </p:cNvSpPr>
+          <p:nvPr>
+            <p:ph type="title"/>
+          </p:nvPr>
+        </p:nvSpPr>
+        <p:spPr>
+          <a:xfrm>
+            <a:off x="1259082" y="768869"/>
+            <a:ext cx="16343118" cy="1213794"/>
+          </a:xfrm>
+          <a:prstGeom prst="rect">
+            <a:avLst/>
+          </a:prstGeom>
+        </p:spPr>
+        <p:txBody>
+          <a:bodyPr vert="horz" wrap="square" lIns="0" tIns="13335" rIns="0" bIns="0" rtlCol="0">
+            <a:spAutoFit/>
+          </a:bodyPr>
+          <a:lstStyle/>
+          <a:p>
+            <a:pPr marL="12700">
+              <a:lnSpc>
+                <a:spcPct val="100000"/>
+              </a:lnSpc>
+              <a:spcBef>
+                <a:spcPts val="105"/>
+              </a:spcBef>
+            </a:pPr>
+            <a:r>
+              <a:rPr sz="3900" spc="-10" dirty="0">
+                <a:latin typeface="Times New Roman" panose="02020603050405020304" pitchFamily="18" charset="0"/>
+                <a:cs typeface="Times New Roman" panose="02020603050405020304" pitchFamily="18" charset="0"/>
+              </a:rPr>
+              <a:t>Results</a:t>
+            </a:r>
+            <a:br>
+              <a:rPr lang="en-IN" sz="3900" spc="-10" dirty="0">
+                <a:latin typeface="Times New Roman" panose="02020603050405020304" pitchFamily="18" charset="0"/>
+                <a:cs typeface="Times New Roman" panose="02020603050405020304" pitchFamily="18" charset="0"/>
+              </a:rPr>
+            </a:br>
+            <a:r>
+              <a:rPr lang="en-IN" sz="3900" spc="-10" dirty="0">
+                <a:latin typeface="Times New Roman" panose="02020603050405020304" pitchFamily="18" charset="0"/>
+                <a:cs typeface="Times New Roman" panose="02020603050405020304" pitchFamily="18" charset="0"/>
+              </a:rPr>
+              <a:t>--------------------------------------------------------------------------------------------------</a:t>
+            </a:r>
+            <a:endParaRPr sz="3900" dirty="0">
+              <a:latin typeface="Times New Roman" panose="02020603050405020304" pitchFamily="18" charset="0"/>
+              <a:cs typeface="Times New Roman" panose="02020603050405020304" pitchFamily="18" charset="0"/>
+            </a:endParaRPr>
+          </a:p>
+        </p:txBody>
+      </p:sp>
+      <p:sp>
+        <p:nvSpPr>
+          <p:cNvPr id="8" name="Rectangle 1">
+            <a:extLst>
+              <a:ext uri="{FF2B5EF4-FFF2-40B4-BE49-F238E27FC236}">
+                <a16:creationId xmlns:a16="http://schemas.microsoft.com/office/drawing/2014/main" id="{DF014413-512C-A712-A07F-DA79DA565FAD}"/>
               </a:ext>
             </a:extLst>
           </p:cNvPr>
@@ -2269,6 +3210,11 @@
         </p:txBody>
       </p:sp>
     </p:spTree>
+    <p:extLst>
+      <p:ext uri="{BB962C8B-B14F-4D97-AF65-F5344CB8AC3E}">
+        <p14:creationId xmlns:p14="http://schemas.microsoft.com/office/powerpoint/2010/main" val="2933528338"/>
+      </p:ext>
+    </p:extLst>
   </p:cSld>
   <p:clrMapOvr>
     <a:masterClrMapping/>
@@ -3297,432 +4243,6 @@
         </p:blipFill>
         <p:spPr>
           <a:xfrm>
-            <a:off x="8864780" y="0"/>
-            <a:ext cx="9423219" cy="10286999"/>
-          </a:xfrm>
-          <a:prstGeom prst="rect">
-            <a:avLst/>
-          </a:prstGeom>
-        </p:spPr>
-      </p:pic>
-      <p:pic>
-        <p:nvPicPr>
-          <p:cNvPr id="4" name="object 4"/>
-          <p:cNvPicPr/>
-          <p:nvPr/>
-        </p:nvPicPr>
-        <p:blipFill>
-          <a:blip r:embed="rId3" cstate="print"/>
-          <a:stretch>
-            <a:fillRect/>
-          </a:stretch>
-        </p:blipFill>
-        <p:spPr>
-          <a:xfrm>
-            <a:off x="0" y="-31276"/>
-            <a:ext cx="7425348" cy="1338047"/>
-          </a:xfrm>
-          <a:prstGeom prst="rect">
-            <a:avLst/>
-          </a:prstGeom>
-        </p:spPr>
-      </p:pic>
-      <p:sp>
-        <p:nvSpPr>
-          <p:cNvPr id="21" name="TextBox 20">
-            <a:extLst>
-              <a:ext uri="{FF2B5EF4-FFF2-40B4-BE49-F238E27FC236}">
-                <a16:creationId xmlns:a16="http://schemas.microsoft.com/office/drawing/2014/main" id="{40194D6A-0E00-A677-4EC0-5F19BCE6B7BB}"/>
-              </a:ext>
-            </a:extLst>
-          </p:cNvPr>
-          <p:cNvSpPr txBox="1"/>
-          <p:nvPr/>
-        </p:nvSpPr>
-        <p:spPr>
-          <a:xfrm>
-            <a:off x="1524000" y="1376457"/>
-            <a:ext cx="15544800" cy="1446550"/>
-          </a:xfrm>
-          <a:prstGeom prst="rect">
-            <a:avLst/>
-          </a:prstGeom>
-          <a:noFill/>
-        </p:spPr>
-        <p:txBody>
-          <a:bodyPr wrap="square" rtlCol="0">
-            <a:spAutoFit/>
-          </a:bodyPr>
-          <a:lstStyle/>
-          <a:p>
-            <a:r>
-              <a:rPr lang="en-IN" sz="4400" dirty="0">
-                <a:latin typeface="Times New Roman" panose="02020603050405020304" pitchFamily="18" charset="0"/>
-                <a:cs typeface="Times New Roman" panose="02020603050405020304" pitchFamily="18" charset="0"/>
-              </a:rPr>
-              <a:t>Existing Infrastructure:</a:t>
-            </a:r>
-          </a:p>
-          <a:p>
-            <a:r>
-              <a:rPr lang="en-IN" sz="4400" dirty="0">
-                <a:latin typeface="Times New Roman" panose="02020603050405020304" pitchFamily="18" charset="0"/>
-                <a:cs typeface="Times New Roman" panose="02020603050405020304" pitchFamily="18" charset="0"/>
-              </a:rPr>
-              <a:t>----------------------------------------------------------------------------------</a:t>
-            </a:r>
-          </a:p>
-        </p:txBody>
-      </p:sp>
-      <p:sp>
-        <p:nvSpPr>
-          <p:cNvPr id="26" name="Rectangle 4">
-            <a:extLst>
-              <a:ext uri="{FF2B5EF4-FFF2-40B4-BE49-F238E27FC236}">
-                <a16:creationId xmlns:a16="http://schemas.microsoft.com/office/drawing/2014/main" id="{9DC69491-DD5F-CFC9-4A66-2F5674176D4D}"/>
-              </a:ext>
-            </a:extLst>
-          </p:cNvPr>
-          <p:cNvSpPr>
-            <a:spLocks noChangeArrowheads="1"/>
-          </p:cNvSpPr>
-          <p:nvPr/>
-        </p:nvSpPr>
-        <p:spPr bwMode="auto">
-          <a:xfrm>
-            <a:off x="0" y="0"/>
-            <a:ext cx="18288000" cy="0"/>
-          </a:xfrm>
-          <a:prstGeom prst="rect">
-            <a:avLst/>
-          </a:prstGeom>
-          <a:noFill/>
-          <a:ln>
-            <a:noFill/>
-          </a:ln>
-          <a:effectLst/>
-          <a:extLst>
-            <a:ext uri="{909E8E84-426E-40DD-AFC4-6F175D3DCCD1}">
-              <a14:hiddenFill xmlns:a14="http://schemas.microsoft.com/office/drawing/2010/main">
-                <a:solidFill>
-                  <a:schemeClr val="accent1"/>
-                </a:solidFill>
-              </a14:hiddenFill>
-            </a:ext>
-            <a:ext uri="{91240B29-F687-4F45-9708-019B960494DF}">
-              <a14:hiddenLine xmlns:a14="http://schemas.microsoft.com/office/drawing/2010/main" w="9525">
-                <a:solidFill>
-                  <a:schemeClr val="tx1"/>
-                </a:solidFill>
-                <a:miter lim="800000"/>
-                <a:headEnd/>
-                <a:tailEnd/>
-              </a14:hiddenLine>
-            </a:ext>
-            <a:ext uri="{AF507438-7753-43E0-B8FC-AC1667EBCBE1}">
-              <a14:hiddenEffects xmlns:a14="http://schemas.microsoft.com/office/drawing/2010/main">
-                <a:effectLst>
-                  <a:outerShdw dist="35921" dir="2700000" algn="ctr" rotWithShape="0">
-                    <a:schemeClr val="bg2"/>
-                  </a:outerShdw>
-                </a:effectLst>
-              </a14:hiddenEffects>
-            </a:ext>
-          </a:extLst>
-        </p:spPr>
-        <p:txBody>
-          <a:bodyPr vert="horz" wrap="none" lIns="91440" tIns="45720" rIns="91440" bIns="45720" numCol="1" anchor="ctr" anchorCtr="0" compatLnSpc="1">
-            <a:prstTxWarp prst="textNoShape">
-              <a:avLst/>
-            </a:prstTxWarp>
-            <a:spAutoFit/>
-          </a:bodyPr>
-          <a:lstStyle/>
-          <a:p>
-            <a:pPr marL="0" marR="0" lvl="0" indent="0" algn="l" defTabSz="914400" rtl="0" eaLnBrk="0" fontAlgn="base" latinLnBrk="0" hangingPunct="0">
-              <a:lnSpc>
-                <a:spcPct val="100000"/>
-              </a:lnSpc>
-              <a:spcBef>
-                <a:spcPct val="0"/>
-              </a:spcBef>
-              <a:spcAft>
-                <a:spcPct val="0"/>
-              </a:spcAft>
-              <a:buClrTx/>
-              <a:buSzTx/>
-              <a:buFontTx/>
-              <a:buChar char="•"/>
-              <a:tabLst/>
-            </a:pPr>
-            <a:r>
-              <a:rPr kumimoji="0" lang="en-US" altLang="en-US" sz="1800" b="0" i="0" u="none" strike="noStrike" cap="none" normalizeH="0" baseline="0">
-                <a:ln>
-                  <a:noFill/>
-                </a:ln>
-                <a:solidFill>
-                  <a:schemeClr val="tx1"/>
-                </a:solidFill>
-                <a:effectLst/>
-                <a:latin typeface="Arial" panose="020B0604020202020204" pitchFamily="34" charset="0"/>
-              </a:rPr>
-              <a:t>All traffic shared the same broadcast domain, increasing vulnerability.</a:t>
-            </a:r>
-          </a:p>
-          <a:p>
-            <a:pPr marL="0" marR="0" lvl="0" indent="0" algn="l" defTabSz="914400" rtl="0" eaLnBrk="0" fontAlgn="base" latinLnBrk="0" hangingPunct="0">
-              <a:lnSpc>
-                <a:spcPct val="100000"/>
-              </a:lnSpc>
-              <a:spcBef>
-                <a:spcPct val="0"/>
-              </a:spcBef>
-              <a:spcAft>
-                <a:spcPct val="0"/>
-              </a:spcAft>
-              <a:buClrTx/>
-              <a:buSzTx/>
-              <a:buFontTx/>
-              <a:buChar char="•"/>
-              <a:tabLst/>
-            </a:pPr>
-            <a:endParaRPr kumimoji="0" lang="en-US" altLang="en-US" sz="1800" b="0" i="0" u="none" strike="noStrike" cap="none" normalizeH="0" baseline="0">
-              <a:ln>
-                <a:noFill/>
-              </a:ln>
-              <a:solidFill>
-                <a:schemeClr val="tx1"/>
-              </a:solidFill>
-              <a:effectLst/>
-              <a:latin typeface="Arial" panose="020B0604020202020204" pitchFamily="34" charset="0"/>
-            </a:endParaRPr>
-          </a:p>
-        </p:txBody>
-      </p:sp>
-      <p:sp>
-        <p:nvSpPr>
-          <p:cNvPr id="31" name="TextBox 30">
-            <a:extLst>
-              <a:ext uri="{FF2B5EF4-FFF2-40B4-BE49-F238E27FC236}">
-                <a16:creationId xmlns:a16="http://schemas.microsoft.com/office/drawing/2014/main" id="{0714D389-4075-ACFD-85CD-291168E19906}"/>
-              </a:ext>
-            </a:extLst>
-          </p:cNvPr>
-          <p:cNvSpPr txBox="1"/>
-          <p:nvPr/>
-        </p:nvSpPr>
-        <p:spPr>
-          <a:xfrm>
-            <a:off x="1549579" y="2813340"/>
-            <a:ext cx="14630400" cy="6001643"/>
-          </a:xfrm>
-          <a:prstGeom prst="rect">
-            <a:avLst/>
-          </a:prstGeom>
-          <a:noFill/>
-        </p:spPr>
-        <p:txBody>
-          <a:bodyPr wrap="square">
-            <a:spAutoFit/>
-          </a:bodyPr>
-          <a:lstStyle/>
-          <a:p>
-            <a:pPr>
-              <a:buFont typeface="Arial" panose="020B0604020202020204" pitchFamily="34" charset="0"/>
-              <a:buChar char="•"/>
-            </a:pPr>
-            <a:r>
-              <a:rPr lang="en-US" sz="3200" b="1" dirty="0">
-                <a:latin typeface="Times New Roman" panose="02020603050405020304" pitchFamily="18" charset="0"/>
-                <a:cs typeface="Times New Roman" panose="02020603050405020304" pitchFamily="18" charset="0"/>
-              </a:rPr>
-              <a:t>Basic, Flat Network Design</a:t>
-            </a:r>
-            <a:br>
-              <a:rPr lang="en-US" sz="3200" dirty="0">
-                <a:latin typeface="Times New Roman" panose="02020603050405020304" pitchFamily="18" charset="0"/>
-                <a:cs typeface="Times New Roman" panose="02020603050405020304" pitchFamily="18" charset="0"/>
-              </a:rPr>
-            </a:br>
-            <a:r>
-              <a:rPr lang="en-US" sz="3200" dirty="0">
-                <a:latin typeface="Times New Roman" panose="02020603050405020304" pitchFamily="18" charset="0"/>
-                <a:cs typeface="Times New Roman" panose="02020603050405020304" pitchFamily="18" charset="0"/>
-              </a:rPr>
-              <a:t>All departments and hosts were part of a single unsegmented network.</a:t>
-            </a:r>
-          </a:p>
-          <a:p>
-            <a:pPr>
-              <a:buFont typeface="Arial" panose="020B0604020202020204" pitchFamily="34" charset="0"/>
-              <a:buChar char="•"/>
-            </a:pPr>
-            <a:r>
-              <a:rPr lang="en-US" sz="3200" b="1" dirty="0">
-                <a:latin typeface="Times New Roman" panose="02020603050405020304" pitchFamily="18" charset="0"/>
-                <a:cs typeface="Times New Roman" panose="02020603050405020304" pitchFamily="18" charset="0"/>
-              </a:rPr>
-              <a:t>Static IP Assignments</a:t>
-            </a:r>
-            <a:br>
-              <a:rPr lang="en-US" sz="3200" dirty="0">
-                <a:latin typeface="Times New Roman" panose="02020603050405020304" pitchFamily="18" charset="0"/>
-                <a:cs typeface="Times New Roman" panose="02020603050405020304" pitchFamily="18" charset="0"/>
-              </a:rPr>
-            </a:br>
-            <a:r>
-              <a:rPr lang="en-US" sz="3200" dirty="0">
-                <a:latin typeface="Times New Roman" panose="02020603050405020304" pitchFamily="18" charset="0"/>
-                <a:cs typeface="Times New Roman" panose="02020603050405020304" pitchFamily="18" charset="0"/>
-              </a:rPr>
-              <a:t>No DHCP support; IPs were manually configured, leading to potential conflicts.</a:t>
-            </a:r>
-          </a:p>
-          <a:p>
-            <a:pPr>
-              <a:buFont typeface="Arial" panose="020B0604020202020204" pitchFamily="34" charset="0"/>
-              <a:buChar char="•"/>
-            </a:pPr>
-            <a:r>
-              <a:rPr lang="en-US" sz="3200" b="1" dirty="0">
-                <a:latin typeface="Times New Roman" panose="02020603050405020304" pitchFamily="18" charset="0"/>
-                <a:cs typeface="Times New Roman" panose="02020603050405020304" pitchFamily="18" charset="0"/>
-              </a:rPr>
-              <a:t>Outdated Network Devices</a:t>
-            </a:r>
-            <a:br>
-              <a:rPr lang="en-US" sz="3200" dirty="0">
-                <a:latin typeface="Times New Roman" panose="02020603050405020304" pitchFamily="18" charset="0"/>
-                <a:cs typeface="Times New Roman" panose="02020603050405020304" pitchFamily="18" charset="0"/>
-              </a:rPr>
-            </a:br>
-            <a:r>
-              <a:rPr lang="en-US" sz="3200" dirty="0">
-                <a:latin typeface="Times New Roman" panose="02020603050405020304" pitchFamily="18" charset="0"/>
-                <a:cs typeface="Times New Roman" panose="02020603050405020304" pitchFamily="18" charset="0"/>
-              </a:rPr>
-              <a:t>Legacy switches lacked support for monitoring, VLANs, or remote management.</a:t>
-            </a:r>
-          </a:p>
-          <a:p>
-            <a:pPr>
-              <a:buFont typeface="Arial" panose="020B0604020202020204" pitchFamily="34" charset="0"/>
-              <a:buChar char="•"/>
-            </a:pPr>
-            <a:r>
-              <a:rPr lang="en-US" sz="3200" b="1" dirty="0">
-                <a:latin typeface="Times New Roman" panose="02020603050405020304" pitchFamily="18" charset="0"/>
-                <a:cs typeface="Times New Roman" panose="02020603050405020304" pitchFamily="18" charset="0"/>
-              </a:rPr>
-              <a:t>No Network Segmentation or Security</a:t>
-            </a:r>
-            <a:br>
-              <a:rPr lang="en-US" sz="3200" dirty="0">
-                <a:latin typeface="Times New Roman" panose="02020603050405020304" pitchFamily="18" charset="0"/>
-                <a:cs typeface="Times New Roman" panose="02020603050405020304" pitchFamily="18" charset="0"/>
-              </a:rPr>
-            </a:br>
-            <a:r>
-              <a:rPr lang="en-US" sz="3200" dirty="0">
-                <a:latin typeface="Times New Roman" panose="02020603050405020304" pitchFamily="18" charset="0"/>
-                <a:cs typeface="Times New Roman" panose="02020603050405020304" pitchFamily="18" charset="0"/>
-              </a:rPr>
-              <a:t>All traffic shared the same broadcast domain, increasing vulnerability.</a:t>
-            </a:r>
-          </a:p>
-          <a:p>
-            <a:pPr>
-              <a:buFont typeface="Arial" panose="020B0604020202020204" pitchFamily="34" charset="0"/>
-              <a:buChar char="•"/>
-            </a:pPr>
-            <a:r>
-              <a:rPr lang="en-US" sz="3200" b="1" dirty="0">
-                <a:latin typeface="Times New Roman" panose="02020603050405020304" pitchFamily="18" charset="0"/>
-                <a:cs typeface="Times New Roman" panose="02020603050405020304" pitchFamily="18" charset="0"/>
-              </a:rPr>
-              <a:t>Poor Resource Allocation</a:t>
-            </a:r>
-            <a:br>
-              <a:rPr lang="en-US" sz="3200" dirty="0">
-                <a:latin typeface="Times New Roman" panose="02020603050405020304" pitchFamily="18" charset="0"/>
-                <a:cs typeface="Times New Roman" panose="02020603050405020304" pitchFamily="18" charset="0"/>
-              </a:rPr>
-            </a:br>
-            <a:r>
-              <a:rPr lang="en-US" sz="3200" dirty="0">
-                <a:latin typeface="Times New Roman" panose="02020603050405020304" pitchFamily="18" charset="0"/>
-                <a:cs typeface="Times New Roman" panose="02020603050405020304" pitchFamily="18" charset="0"/>
-              </a:rPr>
-              <a:t>Multiple server rooms increased power and maintenance costs.</a:t>
-            </a:r>
-          </a:p>
-          <a:p>
-            <a:pPr>
-              <a:buFont typeface="Arial" panose="020B0604020202020204" pitchFamily="34" charset="0"/>
-              <a:buChar char="•"/>
-            </a:pPr>
-            <a:r>
-              <a:rPr lang="en-US" sz="3200" b="1" dirty="0">
-                <a:latin typeface="Times New Roman" panose="02020603050405020304" pitchFamily="18" charset="0"/>
-                <a:cs typeface="Times New Roman" panose="02020603050405020304" pitchFamily="18" charset="0"/>
-              </a:rPr>
-              <a:t>Lack of Remote Access and Firewall Protection</a:t>
-            </a:r>
-            <a:br>
-              <a:rPr lang="en-US" sz="3200" dirty="0">
-                <a:latin typeface="Times New Roman" panose="02020603050405020304" pitchFamily="18" charset="0"/>
-                <a:cs typeface="Times New Roman" panose="02020603050405020304" pitchFamily="18" charset="0"/>
-              </a:rPr>
-            </a:br>
-            <a:r>
-              <a:rPr lang="en-US" sz="3200" dirty="0">
-                <a:latin typeface="Times New Roman" panose="02020603050405020304" pitchFamily="18" charset="0"/>
-                <a:cs typeface="Times New Roman" panose="02020603050405020304" pitchFamily="18" charset="0"/>
-              </a:rPr>
-              <a:t>No remote troubleshooting, monitoring, or security enforcement mechanisms.</a:t>
-            </a:r>
-          </a:p>
-        </p:txBody>
-      </p:sp>
-    </p:spTree>
-  </p:cSld>
-  <p:clrMapOvr>
-    <a:masterClrMapping/>
-  </p:clrMapOvr>
-</p:sld>
-</file>
-
-<file path=ppt/slides/slide5.xml><?xml version="1.0" encoding="utf-8"?>
-<p:sld xmlns:a="http://schemas.openxmlformats.org/drawingml/2006/main" xmlns:r="http://schemas.openxmlformats.org/officeDocument/2006/relationships" xmlns:p="http://schemas.openxmlformats.org/presentationml/2006/main">
-  <p:cSld>
-    <p:spTree>
-      <p:nvGrpSpPr>
-        <p:cNvPr id="1" name=""/>
-        <p:cNvGrpSpPr/>
-        <p:nvPr/>
-      </p:nvGrpSpPr>
-      <p:grpSpPr>
-        <a:xfrm>
-          <a:off x="0" y="0"/>
-          <a:ext cx="0" cy="0"/>
-          <a:chOff x="0" y="0"/>
-          <a:chExt cx="0" cy="0"/>
-        </a:xfrm>
-      </p:grpSpPr>
-      <p:pic>
-        <p:nvPicPr>
-          <p:cNvPr id="2" name="object 2"/>
-          <p:cNvPicPr/>
-          <p:nvPr/>
-        </p:nvPicPr>
-        <p:blipFill>
-          <a:blip r:embed="rId2" cstate="print"/>
-          <a:stretch>
-            <a:fillRect/>
-          </a:stretch>
-        </p:blipFill>
-        <p:spPr>
-          <a:xfrm>
             <a:off x="7694257" y="0"/>
             <a:ext cx="10593741" cy="10286999"/>
           </a:xfrm>
@@ -4043,7 +4563,7 @@
 </p:sld>
 </file>
 
-<file path=ppt/slides/slide6.xml><?xml version="1.0" encoding="utf-8"?>
+<file path=ppt/slides/slide5.xml><?xml version="1.0" encoding="utf-8"?>
 <p:sld xmlns:a="http://schemas.openxmlformats.org/drawingml/2006/main" xmlns:r="http://schemas.openxmlformats.org/officeDocument/2006/relationships" xmlns:p="http://schemas.openxmlformats.org/presentationml/2006/main">
   <p:cSld>
     <p:spTree>
@@ -4611,7 +5131,7 @@
 </p:sld>
 </file>
 
-<file path=ppt/slides/slide7.xml><?xml version="1.0" encoding="utf-8"?>
+<file path=ppt/slides/slide6.xml><?xml version="1.0" encoding="utf-8"?>
 <p:sld xmlns:a="http://schemas.openxmlformats.org/drawingml/2006/main" xmlns:r="http://schemas.openxmlformats.org/officeDocument/2006/relationships" xmlns:p="http://schemas.openxmlformats.org/presentationml/2006/main">
   <p:cSld>
     <p:spTree>
@@ -5237,7 +5757,7 @@
 </p:sld>
 </file>
 
-<file path=ppt/slides/slide8.xml><?xml version="1.0" encoding="utf-8"?>
+<file path=ppt/slides/slide7.xml><?xml version="1.0" encoding="utf-8"?>
 <p:sld xmlns:a="http://schemas.openxmlformats.org/drawingml/2006/main" xmlns:r="http://schemas.openxmlformats.org/officeDocument/2006/relationships" xmlns:p="http://schemas.openxmlformats.org/presentationml/2006/main">
   <p:cSld>
     <p:spTree>
@@ -5435,7 +5955,7 @@
 </p:sld>
 </file>
 
-<file path=ppt/slides/slide9.xml><?xml version="1.0" encoding="utf-8"?>
+<file path=ppt/slides/slide8.xml><?xml version="1.0" encoding="utf-8"?>
 <p:sld xmlns:a="http://schemas.openxmlformats.org/drawingml/2006/main" xmlns:r="http://schemas.openxmlformats.org/officeDocument/2006/relationships" xmlns:p="http://schemas.openxmlformats.org/presentationml/2006/main">
   <p:cSld>
     <p:spTree>
@@ -5917,6 +6437,297 @@
         </p:txBody>
       </p:sp>
     </p:spTree>
+  </p:cSld>
+  <p:clrMapOvr>
+    <a:masterClrMapping/>
+  </p:clrMapOvr>
+</p:sld>
+</file>
+
+<file path=ppt/slides/slide9.xml><?xml version="1.0" encoding="utf-8"?>
+<p:sld xmlns:a="http://schemas.openxmlformats.org/drawingml/2006/main" xmlns:r="http://schemas.openxmlformats.org/officeDocument/2006/relationships" xmlns:p="http://schemas.openxmlformats.org/presentationml/2006/main">
+  <p:cSld>
+    <p:spTree>
+      <p:nvGrpSpPr>
+        <p:cNvPr id="1" name="">
+          <a:extLst>
+            <a:ext uri="{FF2B5EF4-FFF2-40B4-BE49-F238E27FC236}">
+              <a16:creationId xmlns:a16="http://schemas.microsoft.com/office/drawing/2014/main" id="{D370B531-C7FE-20E6-A572-8BEB5DA9E167}"/>
+            </a:ext>
+          </a:extLst>
+        </p:cNvPr>
+        <p:cNvGrpSpPr/>
+        <p:nvPr/>
+      </p:nvGrpSpPr>
+      <p:grpSpPr>
+        <a:xfrm>
+          <a:off x="0" y="0"/>
+          <a:ext cx="0" cy="0"/>
+          <a:chOff x="0" y="0"/>
+          <a:chExt cx="0" cy="0"/>
+        </a:xfrm>
+      </p:grpSpPr>
+      <p:pic>
+        <p:nvPicPr>
+          <p:cNvPr id="2" name="object 2">
+            <a:extLst>
+              <a:ext uri="{FF2B5EF4-FFF2-40B4-BE49-F238E27FC236}">
+                <a16:creationId xmlns:a16="http://schemas.microsoft.com/office/drawing/2014/main" id="{179C3927-E290-EDB1-F3BD-D3F5A262C027}"/>
+              </a:ext>
+            </a:extLst>
+          </p:cNvPr>
+          <p:cNvPicPr/>
+          <p:nvPr/>
+        </p:nvPicPr>
+        <p:blipFill>
+          <a:blip r:embed="rId2" cstate="print"/>
+          <a:stretch>
+            <a:fillRect/>
+          </a:stretch>
+        </p:blipFill>
+        <p:spPr>
+          <a:xfrm>
+            <a:off x="7694257" y="0"/>
+            <a:ext cx="10593741" cy="10286999"/>
+          </a:xfrm>
+          <a:prstGeom prst="rect">
+            <a:avLst/>
+          </a:prstGeom>
+        </p:spPr>
+      </p:pic>
+      <p:sp>
+        <p:nvSpPr>
+          <p:cNvPr id="7" name="object 7">
+            <a:extLst>
+              <a:ext uri="{FF2B5EF4-FFF2-40B4-BE49-F238E27FC236}">
+                <a16:creationId xmlns:a16="http://schemas.microsoft.com/office/drawing/2014/main" id="{B9AFB282-636A-5E15-F602-D2A390BC6C6C}"/>
+              </a:ext>
+            </a:extLst>
+          </p:cNvPr>
+          <p:cNvSpPr txBox="1">
+            <a:spLocks noGrp="1"/>
+          </p:cNvSpPr>
+          <p:nvPr>
+            <p:ph type="title"/>
+          </p:nvPr>
+        </p:nvSpPr>
+        <p:spPr>
+          <a:xfrm>
+            <a:off x="838200" y="876300"/>
+            <a:ext cx="16306800" cy="1259319"/>
+          </a:xfrm>
+          <a:prstGeom prst="rect">
+            <a:avLst/>
+          </a:prstGeom>
+        </p:spPr>
+        <p:txBody>
+          <a:bodyPr vert="horz" wrap="square" lIns="0" tIns="12700" rIns="0" bIns="0" rtlCol="0">
+            <a:spAutoFit/>
+          </a:bodyPr>
+          <a:lstStyle/>
+          <a:p>
+            <a:pPr marL="12700">
+              <a:lnSpc>
+                <a:spcPct val="100000"/>
+              </a:lnSpc>
+              <a:spcBef>
+                <a:spcPts val="100"/>
+              </a:spcBef>
+            </a:pPr>
+            <a:r>
+              <a:rPr lang="en-IN" sz="4000" dirty="0">
+                <a:latin typeface="Times New Roman" panose="02020603050405020304" pitchFamily="18" charset="0"/>
+                <a:cs typeface="Times New Roman" panose="02020603050405020304" pitchFamily="18" charset="0"/>
+              </a:rPr>
+              <a:t>DNS Server Configuration</a:t>
+            </a:r>
+            <a:br>
+              <a:rPr lang="en-IN" sz="4000" dirty="0">
+                <a:latin typeface="Times New Roman" panose="02020603050405020304" pitchFamily="18" charset="0"/>
+                <a:cs typeface="Times New Roman" panose="02020603050405020304" pitchFamily="18" charset="0"/>
+              </a:rPr>
+            </a:br>
+            <a:r>
+              <a:rPr lang="en-IN" sz="4000" dirty="0">
+                <a:latin typeface="Times New Roman" panose="02020603050405020304" pitchFamily="18" charset="0"/>
+                <a:cs typeface="Times New Roman" panose="02020603050405020304" pitchFamily="18" charset="0"/>
+              </a:rPr>
+              <a:t>-----------------------------------------------------------------------------------------------</a:t>
+            </a:r>
+            <a:endParaRPr sz="4100" dirty="0">
+              <a:latin typeface="Times New Roman" panose="02020603050405020304" pitchFamily="18" charset="0"/>
+              <a:cs typeface="Times New Roman" panose="02020603050405020304" pitchFamily="18" charset="0"/>
+            </a:endParaRPr>
+          </a:p>
+        </p:txBody>
+      </p:sp>
+      <p:sp>
+        <p:nvSpPr>
+          <p:cNvPr id="10" name="TextBox 9">
+            <a:extLst>
+              <a:ext uri="{FF2B5EF4-FFF2-40B4-BE49-F238E27FC236}">
+                <a16:creationId xmlns:a16="http://schemas.microsoft.com/office/drawing/2014/main" id="{5834D0A0-9CF5-F1F0-7C5D-7CAEC86CEAAB}"/>
+              </a:ext>
+            </a:extLst>
+          </p:cNvPr>
+          <p:cNvSpPr txBox="1"/>
+          <p:nvPr/>
+        </p:nvSpPr>
+        <p:spPr>
+          <a:xfrm>
+            <a:off x="838200" y="2247900"/>
+            <a:ext cx="9144000" cy="1077218"/>
+          </a:xfrm>
+          <a:prstGeom prst="rect">
+            <a:avLst/>
+          </a:prstGeom>
+          <a:noFill/>
+        </p:spPr>
+        <p:txBody>
+          <a:bodyPr wrap="square">
+            <a:spAutoFit/>
+          </a:bodyPr>
+          <a:lstStyle/>
+          <a:p>
+            <a:r>
+              <a:rPr lang="en-US" sz="3200" dirty="0">
+                <a:latin typeface="Times New Roman" panose="02020603050405020304" pitchFamily="18" charset="0"/>
+                <a:cs typeface="Times New Roman" panose="02020603050405020304" pitchFamily="18" charset="0"/>
+              </a:rPr>
+              <a:t>IP: 1.0.0.3</a:t>
+            </a:r>
+            <a:br>
+              <a:rPr lang="en-US" sz="3200" dirty="0">
+                <a:latin typeface="Times New Roman" panose="02020603050405020304" pitchFamily="18" charset="0"/>
+                <a:cs typeface="Times New Roman" panose="02020603050405020304" pitchFamily="18" charset="0"/>
+              </a:rPr>
+            </a:br>
+            <a:r>
+              <a:rPr lang="en-US" sz="3200" dirty="0">
+                <a:latin typeface="Times New Roman" panose="02020603050405020304" pitchFamily="18" charset="0"/>
+                <a:cs typeface="Times New Roman" panose="02020603050405020304" pitchFamily="18" charset="0"/>
+              </a:rPr>
+              <a:t>Name:19ece311.com</a:t>
+            </a:r>
+            <a:endParaRPr lang="en-IN" sz="3200" dirty="0">
+              <a:latin typeface="Times New Roman" panose="02020603050405020304" pitchFamily="18" charset="0"/>
+              <a:cs typeface="Times New Roman" panose="02020603050405020304" pitchFamily="18" charset="0"/>
+            </a:endParaRPr>
+          </a:p>
+        </p:txBody>
+      </p:sp>
+      <p:pic>
+        <p:nvPicPr>
+          <p:cNvPr id="4" name="Picture 3" descr="A screenshot of a computer&#10;&#10;AI-generated content may be incorrect.">
+            <a:extLst>
+              <a:ext uri="{FF2B5EF4-FFF2-40B4-BE49-F238E27FC236}">
+                <a16:creationId xmlns:a16="http://schemas.microsoft.com/office/drawing/2014/main" id="{B2984560-D257-CD6D-B9E7-3053713F25EA}"/>
+              </a:ext>
+            </a:extLst>
+          </p:cNvPr>
+          <p:cNvPicPr>
+            <a:picLocks noChangeAspect="1"/>
+          </p:cNvPicPr>
+          <p:nvPr/>
+        </p:nvPicPr>
+        <p:blipFill>
+          <a:blip r:embed="rId3">
+            <a:extLst>
+              <a:ext uri="{28A0092B-C50C-407E-A947-70E740481C1C}">
+                <a14:useLocalDpi xmlns:a14="http://schemas.microsoft.com/office/drawing/2010/main" val="0"/>
+              </a:ext>
+            </a:extLst>
+          </a:blip>
+          <a:stretch>
+            <a:fillRect/>
+          </a:stretch>
+        </p:blipFill>
+        <p:spPr>
+          <a:xfrm>
+            <a:off x="8001000" y="3290309"/>
+            <a:ext cx="10248898" cy="6120391"/>
+          </a:xfrm>
+          <a:prstGeom prst="rect">
+            <a:avLst/>
+          </a:prstGeom>
+        </p:spPr>
+      </p:pic>
+      <p:sp>
+        <p:nvSpPr>
+          <p:cNvPr id="8" name="TextBox 7">
+            <a:extLst>
+              <a:ext uri="{FF2B5EF4-FFF2-40B4-BE49-F238E27FC236}">
+                <a16:creationId xmlns:a16="http://schemas.microsoft.com/office/drawing/2014/main" id="{F88D532C-E047-B6AB-F96A-81DC6DDD932F}"/>
+              </a:ext>
+            </a:extLst>
+          </p:cNvPr>
+          <p:cNvSpPr txBox="1"/>
+          <p:nvPr/>
+        </p:nvSpPr>
+        <p:spPr>
+          <a:xfrm>
+            <a:off x="609600" y="3619500"/>
+            <a:ext cx="7353300" cy="5262979"/>
+          </a:xfrm>
+          <a:prstGeom prst="rect">
+            <a:avLst/>
+          </a:prstGeom>
+          <a:noFill/>
+        </p:spPr>
+        <p:txBody>
+          <a:bodyPr wrap="square">
+            <a:spAutoFit/>
+          </a:bodyPr>
+          <a:lstStyle/>
+          <a:p>
+            <a:pPr marL="457200" indent="-457200">
+              <a:buFont typeface="Arial" panose="020B0604020202020204" pitchFamily="34" charset="0"/>
+              <a:buChar char="•"/>
+            </a:pPr>
+            <a:r>
+              <a:rPr lang="en-US" sz="2800" dirty="0"/>
+              <a:t>DNS (Domain Name System) translates domain names into IP addresses for easy access.</a:t>
+            </a:r>
+          </a:p>
+          <a:p>
+            <a:pPr marL="457200" indent="-457200">
+              <a:buFont typeface="Arial" panose="020B0604020202020204" pitchFamily="34" charset="0"/>
+              <a:buChar char="•"/>
+            </a:pPr>
+            <a:r>
+              <a:rPr lang="en-US" sz="2800" dirty="0"/>
+              <a:t>In this setup, the domain 19ece311.com is mapped to IP address 1.0.0.3 using an A Record.</a:t>
+            </a:r>
+          </a:p>
+          <a:p>
+            <a:pPr marL="457200" indent="-457200">
+              <a:buFont typeface="Arial" panose="020B0604020202020204" pitchFamily="34" charset="0"/>
+              <a:buChar char="•"/>
+            </a:pPr>
+            <a:r>
+              <a:rPr lang="en-US" sz="2800" dirty="0"/>
+              <a:t>When a client enters 19ece311.com, the DNS resolves it to 1.0.0.3, directing the browser to the correct web server.</a:t>
+            </a:r>
+          </a:p>
+          <a:p>
+            <a:pPr marL="457200" indent="-457200">
+              <a:buFont typeface="Arial" panose="020B0604020202020204" pitchFamily="34" charset="0"/>
+              <a:buChar char="•"/>
+            </a:pPr>
+            <a:r>
+              <a:rPr lang="en-US" sz="2800" dirty="0"/>
+              <a:t>This setup allows users to access web pages using names instead of numeric IPs, simulating real-world networking.</a:t>
+            </a:r>
+            <a:endParaRPr lang="en-IN" sz="2800" dirty="0"/>
+          </a:p>
+        </p:txBody>
+      </p:sp>
+    </p:spTree>
+    <p:extLst>
+      <p:ext uri="{BB962C8B-B14F-4D97-AF65-F5344CB8AC3E}">
+        <p14:creationId xmlns:p14="http://schemas.microsoft.com/office/powerpoint/2010/main" val="1899571655"/>
+      </p:ext>
+    </p:extLst>
   </p:cSld>
   <p:clrMapOvr>
     <a:masterClrMapping/>

--- a/Presentation.pptx
+++ b/Presentation.pptx
@@ -2828,6 +2828,13 @@
               </a:rPr>
               <a:t>Results</a:t>
             </a:r>
+            <a:r>
+              <a:rPr lang="en-IN" sz="3900" spc="-10" dirty="0">
+                <a:latin typeface="Times New Roman" panose="02020603050405020304" pitchFamily="18" charset="0"/>
+                <a:cs typeface="Times New Roman" panose="02020603050405020304" pitchFamily="18" charset="0"/>
+              </a:rPr>
+              <a:t/>
+            </a:r>
             <a:br>
               <a:rPr lang="en-IN" sz="3900" spc="-10" dirty="0">
                 <a:latin typeface="Times New Roman" panose="02020603050405020304" pitchFamily="18" charset="0"/>
@@ -4409,6 +4416,13 @@
               </a:rPr>
               <a:t>IP-Based Switching Infrastructure</a:t>
             </a:r>
+            <a:r>
+              <a:rPr lang="en-US" sz="3200" dirty="0">
+                <a:latin typeface="Times New Roman" panose="02020603050405020304" pitchFamily="18" charset="0"/>
+                <a:cs typeface="Times New Roman" panose="02020603050405020304" pitchFamily="18" charset="0"/>
+              </a:rPr>
+              <a:t/>
+            </a:r>
             <a:br>
               <a:rPr lang="en-US" sz="3200" dirty="0">
                 <a:latin typeface="Times New Roman" panose="02020603050405020304" pitchFamily="18" charset="0"/>
@@ -4435,6 +4449,13 @@
               </a:rPr>
               <a:t>VLAN Segmentation</a:t>
             </a:r>
+            <a:r>
+              <a:rPr lang="en-US" sz="3200" dirty="0">
+                <a:latin typeface="Times New Roman" panose="02020603050405020304" pitchFamily="18" charset="0"/>
+                <a:cs typeface="Times New Roman" panose="02020603050405020304" pitchFamily="18" charset="0"/>
+              </a:rPr>
+              <a:t/>
+            </a:r>
             <a:br>
               <a:rPr lang="en-US" sz="3200" dirty="0">
                 <a:latin typeface="Times New Roman" panose="02020603050405020304" pitchFamily="18" charset="0"/>
@@ -4461,6 +4482,13 @@
               </a:rPr>
               <a:t>Routing with RIP Protocol</a:t>
             </a:r>
+            <a:r>
+              <a:rPr lang="en-US" sz="3200" dirty="0">
+                <a:latin typeface="Times New Roman" panose="02020603050405020304" pitchFamily="18" charset="0"/>
+                <a:cs typeface="Times New Roman" panose="02020603050405020304" pitchFamily="18" charset="0"/>
+              </a:rPr>
+              <a:t/>
+            </a:r>
             <a:br>
               <a:rPr lang="en-US" sz="3200" dirty="0">
                 <a:latin typeface="Times New Roman" panose="02020603050405020304" pitchFamily="18" charset="0"/>
@@ -4487,6 +4515,13 @@
               </a:rPr>
               <a:t>Unified Network Backbone</a:t>
             </a:r>
+            <a:r>
+              <a:rPr lang="en-US" sz="3200" dirty="0">
+                <a:latin typeface="Times New Roman" panose="02020603050405020304" pitchFamily="18" charset="0"/>
+                <a:cs typeface="Times New Roman" panose="02020603050405020304" pitchFamily="18" charset="0"/>
+              </a:rPr>
+              <a:t/>
+            </a:r>
             <a:br>
               <a:rPr lang="en-US" sz="3200" dirty="0">
                 <a:latin typeface="Times New Roman" panose="02020603050405020304" pitchFamily="18" charset="0"/>
@@ -4513,6 +4548,13 @@
               </a:rPr>
               <a:t>Support for Key Services</a:t>
             </a:r>
+            <a:r>
+              <a:rPr lang="en-US" sz="3200" dirty="0">
+                <a:latin typeface="Times New Roman" panose="02020603050405020304" pitchFamily="18" charset="0"/>
+                <a:cs typeface="Times New Roman" panose="02020603050405020304" pitchFamily="18" charset="0"/>
+              </a:rPr>
+              <a:t/>
+            </a:r>
             <a:br>
               <a:rPr lang="en-US" sz="3200" dirty="0">
                 <a:latin typeface="Times New Roman" panose="02020603050405020304" pitchFamily="18" charset="0"/>
@@ -4524,7 +4566,21 @@
                 <a:latin typeface="Times New Roman" panose="02020603050405020304" pitchFamily="18" charset="0"/>
                 <a:cs typeface="Times New Roman" panose="02020603050405020304" pitchFamily="18" charset="0"/>
               </a:rPr>
-              <a:t>Web hosting, FTP services, DNS, DHCP, and remote access integrated into the network.</a:t>
+              <a:t>Web hosting, FTP services, DNS</a:t>
+            </a:r>
+            <a:r>
+              <a:rPr lang="en-US" sz="3200" dirty="0" smtClean="0">
+                <a:latin typeface="Times New Roman" panose="02020603050405020304" pitchFamily="18" charset="0"/>
+                <a:cs typeface="Times New Roman" panose="02020603050405020304" pitchFamily="18" charset="0"/>
+              </a:rPr>
+              <a:t>, </a:t>
+            </a:r>
+            <a:r>
+              <a:rPr lang="en-US" sz="3200" dirty="0">
+                <a:latin typeface="Times New Roman" panose="02020603050405020304" pitchFamily="18" charset="0"/>
+                <a:cs typeface="Times New Roman" panose="02020603050405020304" pitchFamily="18" charset="0"/>
+              </a:rPr>
+              <a:t>and remote access integrated into the network.</a:t>
             </a:r>
           </a:p>
           <a:p>
@@ -4538,6 +4594,13 @@
                 <a:cs typeface="Times New Roman" panose="02020603050405020304" pitchFamily="18" charset="0"/>
               </a:rPr>
               <a:t>High-Speed &amp; Scalable</a:t>
+            </a:r>
+            <a:r>
+              <a:rPr lang="en-US" sz="3200" dirty="0">
+                <a:latin typeface="Times New Roman" panose="02020603050405020304" pitchFamily="18" charset="0"/>
+                <a:cs typeface="Times New Roman" panose="02020603050405020304" pitchFamily="18" charset="0"/>
+              </a:rPr>
+              <a:t/>
             </a:r>
             <a:br>
               <a:rPr lang="en-US" sz="3200" dirty="0">
@@ -4852,6 +4915,20 @@
               </a:rPr>
               <a:t>Cisco Catalyst 6509 &amp; 4500 Switches</a:t>
             </a:r>
+            <a:r>
+              <a:rPr kumimoji="0" lang="en-US" altLang="en-US" sz="3200" b="0" i="0" u="none" strike="noStrike" cap="none" normalizeH="0" baseline="0" dirty="0">
+                <a:ln>
+                  <a:noFill/>
+                </a:ln>
+                <a:solidFill>
+                  <a:schemeClr val="tx1"/>
+                </a:solidFill>
+                <a:effectLst/>
+                <a:latin typeface="Times New Roman" panose="02020603050405020304" pitchFamily="18" charset="0"/>
+                <a:cs typeface="Times New Roman" panose="02020603050405020304" pitchFamily="18" charset="0"/>
+              </a:rPr>
+              <a:t/>
+            </a:r>
             <a:br>
               <a:rPr kumimoji="0" lang="en-US" altLang="en-US" sz="3200" b="0" i="0" u="none" strike="noStrike" cap="none" normalizeH="0" baseline="0" dirty="0">
                 <a:ln>
@@ -4911,6 +4988,20 @@
               </a:rPr>
               <a:t>Cisco Aironet 1140 Series Access Points</a:t>
             </a:r>
+            <a:r>
+              <a:rPr kumimoji="0" lang="en-US" altLang="en-US" sz="3200" b="0" i="0" u="none" strike="noStrike" cap="none" normalizeH="0" baseline="0" dirty="0">
+                <a:ln>
+                  <a:noFill/>
+                </a:ln>
+                <a:solidFill>
+                  <a:schemeClr val="tx1"/>
+                </a:solidFill>
+                <a:effectLst/>
+                <a:latin typeface="Times New Roman" panose="02020603050405020304" pitchFamily="18" charset="0"/>
+                <a:cs typeface="Times New Roman" panose="02020603050405020304" pitchFamily="18" charset="0"/>
+              </a:rPr>
+              <a:t/>
+            </a:r>
             <a:br>
               <a:rPr kumimoji="0" lang="en-US" altLang="en-US" sz="3200" b="0" i="0" u="none" strike="noStrike" cap="none" normalizeH="0" baseline="0" dirty="0">
                 <a:ln>
@@ -4970,6 +5061,20 @@
               </a:rPr>
               <a:t>Cisco UCS (Unified Computing System)</a:t>
             </a:r>
+            <a:r>
+              <a:rPr kumimoji="0" lang="en-US" altLang="en-US" sz="3200" b="0" i="0" u="none" strike="noStrike" cap="none" normalizeH="0" baseline="0" dirty="0">
+                <a:ln>
+                  <a:noFill/>
+                </a:ln>
+                <a:solidFill>
+                  <a:schemeClr val="tx1"/>
+                </a:solidFill>
+                <a:effectLst/>
+                <a:latin typeface="Times New Roman" panose="02020603050405020304" pitchFamily="18" charset="0"/>
+                <a:cs typeface="Times New Roman" panose="02020603050405020304" pitchFamily="18" charset="0"/>
+              </a:rPr>
+              <a:t/>
+            </a:r>
             <a:br>
               <a:rPr kumimoji="0" lang="en-US" altLang="en-US" sz="3200" b="0" i="0" u="none" strike="noStrike" cap="none" normalizeH="0" baseline="0" dirty="0">
                 <a:ln>
@@ -5029,6 +5134,20 @@
               </a:rPr>
               <a:t>Cisco Firewall &amp; Security Tools</a:t>
             </a:r>
+            <a:r>
+              <a:rPr kumimoji="0" lang="en-US" altLang="en-US" sz="3200" b="0" i="0" u="none" strike="noStrike" cap="none" normalizeH="0" baseline="0" dirty="0">
+                <a:ln>
+                  <a:noFill/>
+                </a:ln>
+                <a:solidFill>
+                  <a:schemeClr val="tx1"/>
+                </a:solidFill>
+                <a:effectLst/>
+                <a:latin typeface="Times New Roman" panose="02020603050405020304" pitchFamily="18" charset="0"/>
+                <a:cs typeface="Times New Roman" panose="02020603050405020304" pitchFamily="18" charset="0"/>
+              </a:rPr>
+              <a:t/>
+            </a:r>
             <a:br>
               <a:rPr kumimoji="0" lang="en-US" altLang="en-US" sz="3200" b="0" i="0" u="none" strike="noStrike" cap="none" normalizeH="0" baseline="0" dirty="0">
                 <a:ln>
@@ -5087,6 +5206,20 @@
                 <a:cs typeface="Times New Roman" panose="02020603050405020304" pitchFamily="18" charset="0"/>
               </a:rPr>
               <a:t>Mobility Services Engine (MSE)</a:t>
+            </a:r>
+            <a:r>
+              <a:rPr kumimoji="0" lang="en-US" altLang="en-US" sz="3200" b="0" i="0" u="none" strike="noStrike" cap="none" normalizeH="0" baseline="0" dirty="0">
+                <a:ln>
+                  <a:noFill/>
+                </a:ln>
+                <a:solidFill>
+                  <a:schemeClr val="tx1"/>
+                </a:solidFill>
+                <a:effectLst/>
+                <a:latin typeface="Times New Roman" panose="02020603050405020304" pitchFamily="18" charset="0"/>
+                <a:cs typeface="Times New Roman" panose="02020603050405020304" pitchFamily="18" charset="0"/>
+              </a:rPr>
+              <a:t/>
             </a:r>
             <a:br>
               <a:rPr kumimoji="0" lang="en-US" altLang="en-US" sz="3200" b="0" i="0" u="none" strike="noStrike" cap="none" normalizeH="0" baseline="0" dirty="0">
